--- a/EventLite.pptx
+++ b/EventLite.pptx
@@ -220,6 +220,11 @@
       </a:defRPr>
     </a:lvl9pPr>
   </p:defaultTextStyle>
+  <p:extLst>
+    <p:ext uri="{EFAFB233-063F-42B5-8137-9DF3F51BA10A}">
+      <p15:sldGuideLst xmlns:p15="http://schemas.microsoft.com/office/powerpoint/2012/main"/>
+    </p:ext>
+  </p:extLst>
 </p:presentation>
 </file>
 
@@ -5285,15 +5290,7 @@
           </a:bodyPr>
           <a:lstStyle/>
           <a:p>
-            <a:pPr marL="0" lvl="0" indent="0">
-              <a:spcBef>
-                <a:spcPts val="0"/>
-              </a:spcBef>
-              <a:spcAft>
-                <a:spcPts val="0"/>
-              </a:spcAft>
-              <a:buNone/>
-            </a:pPr>
+            <a:pPr lvl="0"/>
             <a:r>
               <a:rPr lang="en" dirty="0" smtClean="0"/>
               <a:t>Event</a:t>
@@ -5317,7 +5314,7 @@
               <a:rPr lang="en" dirty="0" smtClean="0"/>
             </a:br>
             <a:r>
-              <a:rPr lang="en" sz="1200" dirty="0" smtClean="0">
+              <a:rPr lang="en" sz="1200" dirty="0">
                 <a:solidFill>
                   <a:schemeClr val="accent4">
                     <a:lumMod val="20000"/>
@@ -5325,7 +5322,7 @@
                   </a:schemeClr>
                 </a:solidFill>
               </a:rPr>
-              <a:t>Van Dang | Darko D | Ron Giles | Antoine Smith | Will Vongkoth</a:t>
+              <a:t>© Team Green</a:t>
             </a:r>
             <a:endParaRPr dirty="0">
               <a:solidFill>
@@ -5951,6 +5948,18 @@
                 </a:rPr>
                 <a:t>3. </a:t>
               </a:r>
+              <a:r>
+                <a:rPr lang="en" dirty="0" smtClean="0">
+                  <a:solidFill>
+                    <a:srgbClr val="FFFFFF"/>
+                  </a:solidFill>
+                  <a:latin typeface="Roboto Condensed"/>
+                  <a:ea typeface="Roboto Condensed"/>
+                  <a:cs typeface="Roboto Condensed"/>
+                  <a:sym typeface="Roboto Condensed"/>
+                </a:rPr>
+                <a:t>Resource for politcal events</a:t>
+              </a:r>
               <a:endParaRPr dirty="0">
                 <a:solidFill>
                   <a:srgbClr val="FFFFFF"/>
@@ -8059,19 +8068,7 @@
                 <a:cs typeface="Roboto Condensed"/>
                 <a:sym typeface="Roboto Condensed"/>
               </a:rPr>
-              <a:t>4</a:t>
-            </a:r>
-            <a:r>
-              <a:rPr lang="en" dirty="0" smtClean="0">
-                <a:solidFill>
-                  <a:schemeClr val="bg1"/>
-                </a:solidFill>
-                <a:latin typeface="Roboto Condensed"/>
-                <a:ea typeface="Roboto Condensed"/>
-                <a:cs typeface="Roboto Condensed"/>
-                <a:sym typeface="Roboto Condensed"/>
-              </a:rPr>
-              <a:t>. EventLite: App for finding free events in Chicago</a:t>
+              <a:t>4. EventLite: App for finding free events in Chicago</a:t>
             </a:r>
             <a:endParaRPr dirty="0">
               <a:solidFill>
@@ -8666,6 +8663,30 @@
           </a:p>
         </p:txBody>
       </p:sp>
+      <p:pic>
+        <p:nvPicPr>
+          <p:cNvPr id="2" name="Picture 1"/>
+          <p:cNvPicPr>
+            <a:picLocks noChangeAspect="1"/>
+          </p:cNvPicPr>
+          <p:nvPr/>
+        </p:nvPicPr>
+        <p:blipFill>
+          <a:blip r:embed="rId3"/>
+          <a:stretch>
+            <a:fillRect/>
+          </a:stretch>
+        </p:blipFill>
+        <p:spPr>
+          <a:xfrm>
+            <a:off x="1630017" y="934280"/>
+            <a:ext cx="5824331" cy="3170582"/>
+          </a:xfrm>
+          <a:prstGeom prst="rect">
+            <a:avLst/>
+          </a:prstGeom>
+        </p:spPr>
+      </p:pic>
     </p:spTree>
   </p:cSld>
   <p:clrMapOvr>
@@ -9081,7 +9102,6 @@
               <a:rPr lang="en-US" sz="1400" dirty="0"/>
               <a:t>text</a:t>
             </a:r>
-            <a:endParaRPr lang="en-US" sz="1400" dirty="0"/>
           </a:p>
         </p:txBody>
       </p:sp>
@@ -10176,8 +10196,8 @@
               <a:buNone/>
             </a:pPr>
             <a:r>
-              <a:rPr lang="en" b="1" dirty="0"/>
-              <a:t>Yellow</a:t>
+              <a:rPr lang="en" b="1" dirty="0" smtClean="0"/>
+              <a:t>Google API</a:t>
             </a:r>
             <a:endParaRPr b="1" dirty="0"/>
           </a:p>
@@ -10238,8 +10258,8 @@
               <a:buNone/>
             </a:pPr>
             <a:r>
-              <a:rPr lang="en" b="1" dirty="0"/>
-              <a:t>Blue</a:t>
+              <a:rPr lang="en" b="1" dirty="0" smtClean="0"/>
+              <a:t>Mobile-Friendly</a:t>
             </a:r>
             <a:endParaRPr b="1" dirty="0"/>
           </a:p>

--- a/EventLite.pptx
+++ b/EventLite.pptx
@@ -5946,19 +5946,7 @@
                   <a:cs typeface="Roboto Condensed"/>
                   <a:sym typeface="Roboto Condensed"/>
                 </a:rPr>
-                <a:t>3. </a:t>
-              </a:r>
-              <a:r>
-                <a:rPr lang="en" dirty="0" smtClean="0">
-                  <a:solidFill>
-                    <a:srgbClr val="FFFFFF"/>
-                  </a:solidFill>
-                  <a:latin typeface="Roboto Condensed"/>
-                  <a:ea typeface="Roboto Condensed"/>
-                  <a:cs typeface="Roboto Condensed"/>
-                  <a:sym typeface="Roboto Condensed"/>
-                </a:rPr>
-                <a:t>Resource for politcal events</a:t>
+                <a:t>3. Resource for politcal events</a:t>
               </a:r>
               <a:endParaRPr dirty="0">
                 <a:solidFill>
@@ -8692,6 +8680,13 @@
   <p:clrMapOvr>
     <a:masterClrMapping/>
   </p:clrMapOvr>
+  <p:timing>
+    <p:tnLst>
+      <p:par>
+        <p:cTn id="1" dur="indefinite" restart="never" nodeType="tmRoot"/>
+      </p:par>
+    </p:tnLst>
+  </p:timing>
 </p:sld>
 </file>
 
@@ -8776,7 +8771,9 @@
               <a:buNone/>
             </a:pPr>
             <a:r>
-              <a:rPr lang="en" dirty="0" smtClean="0"/>
+              <a:rPr lang="en" dirty="0" smtClean="0">
+                <a:hlinkClick r:id="rId4"/>
+              </a:rPr>
               <a:t>H E R E</a:t>
             </a:r>
             <a:endParaRPr dirty="0"/>
@@ -8830,6 +8827,13 @@
   <p:clrMapOvr>
     <a:masterClrMapping/>
   </p:clrMapOvr>
+  <p:timing>
+    <p:tnLst>
+      <p:par>
+        <p:cTn id="1" dur="indefinite" restart="never" nodeType="tmRoot"/>
+      </p:par>
+    </p:tnLst>
+  </p:timing>
 </p:sld>
 </file>
 
@@ -8943,12 +8947,9 @@
             </a:pPr>
             <a:r>
               <a:rPr lang="en-US" sz="1400" dirty="0" smtClean="0"/>
-              <a:t>T</a:t>
+              <a:t>Handlebars + servers</a:t>
             </a:r>
-            <a:r>
-              <a:rPr lang="en" sz="1400" dirty="0" smtClean="0"/>
-              <a:t>ext here</a:t>
-            </a:r>
+            <a:endParaRPr lang="en" sz="1400" dirty="0" smtClean="0"/>
           </a:p>
           <a:p>
             <a:pPr marL="342900" indent="-342900">
@@ -9868,6 +9869,13 @@
   <p:clrMapOvr>
     <a:masterClrMapping/>
   </p:clrMapOvr>
+  <p:timing>
+    <p:tnLst>
+      <p:par>
+        <p:cTn id="1" dur="indefinite" restart="never" nodeType="tmRoot"/>
+      </p:par>
+    </p:tnLst>
+  </p:timing>
 </p:sld>
 </file>
 
@@ -10039,11 +10047,19 @@
             </a:pPr>
             <a:r>
               <a:rPr lang="en-US" sz="1200" dirty="0" smtClean="0"/>
-              <a:t>T</a:t>
+              <a:t>RSVP function, ticketing function, reservations, </a:t>
             </a:r>
             <a:r>
-              <a:rPr lang="en" sz="1200" dirty="0" smtClean="0"/>
-              <a:t>ext here</a:t>
+              <a:rPr lang="en-US" sz="1200" dirty="0" err="1" smtClean="0"/>
+              <a:t>etc</a:t>
+            </a:r>
+            <a:r>
+              <a:rPr lang="en-US" sz="1200" dirty="0" smtClean="0"/>
+              <a:t> </a:t>
+            </a:r>
+            <a:r>
+              <a:rPr lang="en-US" sz="1200" dirty="0" err="1" smtClean="0"/>
+              <a:t>etc</a:t>
             </a:r>
             <a:endParaRPr sz="1200" dirty="0"/>
           </a:p>
@@ -10101,7 +10117,15 @@
             </a:pPr>
             <a:r>
               <a:rPr lang="en-US" sz="1200" dirty="0" smtClean="0"/>
-              <a:t>Text here</a:t>
+              <a:t>Initially we were supposed to populate event info from </a:t>
+            </a:r>
+            <a:r>
+              <a:rPr lang="en-US" sz="1200" dirty="0" err="1" smtClean="0"/>
+              <a:t>EventBrite</a:t>
+            </a:r>
+            <a:r>
+              <a:rPr lang="en-US" sz="1200" dirty="0" smtClean="0"/>
+              <a:t>, but problems arose…</a:t>
             </a:r>
             <a:endParaRPr sz="1200" dirty="0"/>
           </a:p>
@@ -10197,7 +10221,11 @@
             </a:pPr>
             <a:r>
               <a:rPr lang="en" b="1" dirty="0" smtClean="0"/>
-              <a:t>Google API</a:t>
+              <a:t>Google </a:t>
+            </a:r>
+            <a:r>
+              <a:rPr lang="en" b="1" dirty="0" smtClean="0"/>
+              <a:t>Maps API</a:t>
             </a:r>
             <a:endParaRPr b="1" dirty="0"/>
           </a:p>
@@ -10213,11 +10241,7 @@
             </a:pPr>
             <a:r>
               <a:rPr lang="en-US" sz="1200" dirty="0" smtClean="0"/>
-              <a:t>T</a:t>
-            </a:r>
-            <a:r>
-              <a:rPr lang="en" sz="1200" dirty="0" smtClean="0"/>
-              <a:t>ext here</a:t>
+              <a:t>For directions to the event!</a:t>
             </a:r>
             <a:endParaRPr sz="1200" dirty="0"/>
           </a:p>
@@ -10275,11 +10299,13 @@
             </a:pPr>
             <a:r>
               <a:rPr lang="en-US" sz="1200" dirty="0" smtClean="0"/>
-              <a:t>T</a:t>
+              <a:t>Could be more responsive – currently not mobile-friendly </a:t>
             </a:r>
             <a:r>
-              <a:rPr lang="en" sz="1200" dirty="0" smtClean="0"/>
-              <a:t>ext here</a:t>
+              <a:rPr lang="en-US" sz="1200" dirty="0" smtClean="0">
+                <a:sym typeface="Wingdings" panose="05000000000000000000" pitchFamily="2" charset="2"/>
+              </a:rPr>
+              <a:t></a:t>
             </a:r>
             <a:endParaRPr sz="1200" dirty="0"/>
           </a:p>

--- a/EventLite.pptx
+++ b/EventLite.pptx
@@ -8947,7 +8947,7 @@
             </a:pPr>
             <a:r>
               <a:rPr lang="en-US" sz="1400" dirty="0" smtClean="0"/>
-              <a:t>Handlebars + servers</a:t>
+              <a:t>Handlebars</a:t>
             </a:r>
             <a:endParaRPr lang="en" sz="1400" dirty="0" smtClean="0"/>
           </a:p>
@@ -8962,12 +8962,9 @@
             </a:pPr>
             <a:r>
               <a:rPr lang="en-US" sz="1400" dirty="0" smtClean="0"/>
-              <a:t>T</a:t>
+              <a:t>Connecting to server</a:t>
             </a:r>
-            <a:r>
-              <a:rPr lang="en" sz="1400" dirty="0" smtClean="0"/>
-              <a:t>ext</a:t>
-            </a:r>
+            <a:endParaRPr lang="en" sz="1400" dirty="0" smtClean="0"/>
           </a:p>
           <a:p>
             <a:pPr marL="342900" indent="-342900">
@@ -8980,12 +8977,9 @@
             </a:pPr>
             <a:r>
               <a:rPr lang="en-US" sz="1400" dirty="0" smtClean="0"/>
-              <a:t>T</a:t>
+              <a:t>Templating</a:t>
             </a:r>
-            <a:r>
-              <a:rPr lang="en" sz="1400" dirty="0" smtClean="0"/>
-              <a:t>ext</a:t>
-            </a:r>
+            <a:endParaRPr lang="en" sz="1400" dirty="0" smtClean="0"/>
           </a:p>
           <a:p>
             <a:pPr marL="342900" indent="-342900">
@@ -8998,7 +8992,7 @@
             </a:pPr>
             <a:r>
               <a:rPr lang="en" sz="1400" dirty="0" smtClean="0"/>
-              <a:t>text</a:t>
+              <a:t>Displaying information</a:t>
             </a:r>
             <a:endParaRPr sz="1400" dirty="0"/>
           </a:p>
@@ -9042,11 +9036,7 @@
               </a:rPr>
               <a:t>Back-End</a:t>
             </a:r>
-            <a:endParaRPr sz="1600" b="1" dirty="0">
-              <a:solidFill>
-                <a:srgbClr val="FF9800"/>
-              </a:solidFill>
-            </a:endParaRPr>
+            <a:endParaRPr lang="en-US" sz="1400" dirty="0"/>
           </a:p>
           <a:p>
             <a:pPr marL="342900" indent="-342900">
@@ -9058,8 +9048,23 @@
               </a:spcAft>
             </a:pPr>
             <a:r>
-              <a:rPr lang="en-US" sz="1400" dirty="0"/>
-              <a:t>Text here</a:t>
+              <a:rPr lang="en-US" sz="1400" dirty="0" err="1" smtClean="0"/>
+              <a:t>Heroku</a:t>
+            </a:r>
+            <a:endParaRPr lang="en-US" sz="1400" dirty="0"/>
+          </a:p>
+          <a:p>
+            <a:pPr marL="342900" indent="-342900">
+              <a:spcBef>
+                <a:spcPts val="1000"/>
+              </a:spcBef>
+              <a:spcAft>
+                <a:spcPts val="1000"/>
+              </a:spcAft>
+            </a:pPr>
+            <a:r>
+              <a:rPr lang="en-US" sz="1400" dirty="0" smtClean="0"/>
+              <a:t>CORS (but resolved)</a:t>
             </a:r>
           </a:p>
           <a:p>
@@ -9071,38 +9076,7 @@
                 <a:spcPts val="1000"/>
               </a:spcAft>
             </a:pPr>
-            <a:r>
-              <a:rPr lang="en-US" sz="1400" dirty="0"/>
-              <a:t>Text</a:t>
-            </a:r>
-          </a:p>
-          <a:p>
-            <a:pPr marL="342900" indent="-342900">
-              <a:spcBef>
-                <a:spcPts val="1000"/>
-              </a:spcBef>
-              <a:spcAft>
-                <a:spcPts val="1000"/>
-              </a:spcAft>
-            </a:pPr>
-            <a:r>
-              <a:rPr lang="en-US" sz="1400" dirty="0"/>
-              <a:t>Text</a:t>
-            </a:r>
-          </a:p>
-          <a:p>
-            <a:pPr marL="342900" indent="-342900">
-              <a:spcBef>
-                <a:spcPts val="1000"/>
-              </a:spcBef>
-              <a:spcAft>
-                <a:spcPts val="1000"/>
-              </a:spcAft>
-            </a:pPr>
-            <a:r>
-              <a:rPr lang="en-US" sz="1400" dirty="0"/>
-              <a:t>text</a:t>
-            </a:r>
+            <a:endParaRPr lang="en-US" sz="1400" dirty="0"/>
           </a:p>
         </p:txBody>
       </p:sp>
@@ -9168,12 +9142,12 @@
               </a:spcAft>
             </a:pPr>
             <a:r>
+              <a:rPr lang="en-US" sz="1400" dirty="0" smtClean="0"/>
+              <a:t>Learning </a:t>
+            </a:r>
+            <a:r>
               <a:rPr lang="en-US" sz="1400" dirty="0" err="1" smtClean="0"/>
               <a:t>Github</a:t>
-            </a:r>
-            <a:r>
-              <a:rPr lang="en-US" sz="1400" dirty="0" smtClean="0"/>
-              <a:t> repo malfunctions</a:t>
             </a:r>
             <a:endParaRPr lang="en-US" sz="1400" dirty="0"/>
           </a:p>
@@ -10221,11 +10195,7 @@
             </a:pPr>
             <a:r>
               <a:rPr lang="en" b="1" dirty="0" smtClean="0"/>
-              <a:t>Google </a:t>
-            </a:r>
-            <a:r>
-              <a:rPr lang="en" b="1" dirty="0" smtClean="0"/>
-              <a:t>Maps API</a:t>
+              <a:t>Google Maps API</a:t>
             </a:r>
             <a:endParaRPr b="1" dirty="0"/>
           </a:p>
